--- a/3주차/SBS게임아카데미_UNITY주말4개월_3주차.pptx
+++ b/3주차/SBS게임아카데미_UNITY주말4개월_3주차.pptx
@@ -8318,11 +8318,7 @@
             </a:r>
             <a:r>
               <a:rPr lang="ko-KR" altLang="en-US" dirty="0" err="1" smtClean="0"/>
-              <a:t>메소드</a:t>
-            </a:r>
-            <a:r>
-              <a:rPr lang="ko-KR" altLang="en-US" dirty="0" err="1" smtClean="0"/>
-              <a:t>의</a:t>
+              <a:t>메소드의</a:t>
             </a:r>
             <a:r>
               <a:rPr lang="ko-KR" altLang="en-US" dirty="0" smtClean="0"/>
@@ -8771,11 +8767,7 @@
             </a:r>
             <a:r>
               <a:rPr lang="ko-KR" altLang="en-US" dirty="0" smtClean="0"/>
-              <a:t>변수</a:t>
-            </a:r>
-            <a:r>
-              <a:rPr lang="ko-KR" altLang="en-US" dirty="0" smtClean="0"/>
-              <a:t>의 </a:t>
+              <a:t>변수의 </a:t>
             </a:r>
             <a:r>
               <a:rPr lang="ko-KR" altLang="en-US" dirty="0"/>
@@ -20704,11 +20696,7 @@
             </a:br>
             <a:r>
               <a:rPr lang="en-US" altLang="ko-KR" dirty="0" smtClean="0"/>
-              <a:t>(</a:t>
-            </a:r>
-            <a:r>
-              <a:rPr lang="en-US" altLang="ko-KR" dirty="0" smtClean="0"/>
-              <a:t>static)</a:t>
+              <a:t>(static)</a:t>
             </a:r>
             <a:endParaRPr lang="ko-KR" altLang="en-US" dirty="0"/>
           </a:p>

--- a/3주차/SBS게임아카데미_UNITY주말4개월_3주차.pptx
+++ b/3주차/SBS게임아카데미_UNITY주말4개월_3주차.pptx
@@ -21496,13 +21496,13 @@
           </a:p>
           <a:p>
             <a:r>
-              <a:rPr lang="en-US" altLang="ko-KR" sz="2800" dirty="0"/>
+              <a:rPr lang="en-US" altLang="ko-KR" sz="2800" dirty="0" smtClean="0"/>
               <a:t>{</a:t>
             </a:r>
           </a:p>
           <a:p>
             <a:r>
-              <a:rPr lang="en-US" altLang="ko-KR" sz="2800" dirty="0"/>
+              <a:rPr lang="en-US" altLang="ko-KR" sz="2800" dirty="0" smtClean="0"/>
               <a:t>}</a:t>
             </a:r>
             <a:endParaRPr lang="ko-KR" altLang="en-US" sz="2800" dirty="0"/>
@@ -24994,9 +24994,10 @@
               <a:t>와 차이점</a:t>
             </a:r>
             <a:r>
-              <a:rPr lang="en-US" altLang="ko-KR" dirty="0"/>
+              <a:rPr lang="en-US" altLang="ko-KR" dirty="0" smtClean="0"/>
               <a:t>)</a:t>
             </a:r>
+            <a:endParaRPr lang="en-US" altLang="ko-KR" dirty="0"/>
           </a:p>
           <a:p>
             <a:r>
@@ -25004,7 +25005,41 @@
               <a:t>생성을 못한다</a:t>
             </a:r>
             <a:r>
-              <a:rPr lang="en-US" altLang="ko-KR" dirty="0"/>
+              <a:rPr lang="en-US" altLang="ko-KR" dirty="0" smtClean="0"/>
+              <a:t>.</a:t>
+            </a:r>
+          </a:p>
+          <a:p>
+            <a:r>
+              <a:rPr lang="ko-KR" altLang="en-US" dirty="0" smtClean="0"/>
+              <a:t>변수는 기본적으로 </a:t>
+            </a:r>
+            <a:r>
+              <a:rPr lang="en-US" altLang="ko-KR" dirty="0" smtClean="0"/>
+              <a:t>abstract </a:t>
+            </a:r>
+            <a:r>
+              <a:rPr lang="ko-KR" altLang="en-US" dirty="0" smtClean="0"/>
+              <a:t>를 못한다</a:t>
+            </a:r>
+            <a:r>
+              <a:rPr lang="en-US" altLang="ko-KR" dirty="0" smtClean="0"/>
+              <a:t>. </a:t>
+            </a:r>
+            <a:r>
+              <a:rPr lang="ko-KR" altLang="en-US" dirty="0" smtClean="0"/>
+              <a:t>하려면 </a:t>
+            </a:r>
+            <a:r>
+              <a:rPr lang="en-US" altLang="ko-KR" dirty="0" smtClean="0"/>
+              <a:t>Property</a:t>
+            </a:r>
+            <a:r>
+              <a:rPr lang="ko-KR" altLang="en-US" dirty="0" smtClean="0"/>
+              <a:t>로 변환해주어야 한다</a:t>
+            </a:r>
+            <a:r>
+              <a:rPr lang="en-US" altLang="ko-KR" dirty="0" smtClean="0"/>
               <a:t>.</a:t>
             </a:r>
             <a:endParaRPr lang="ko-KR" altLang="en-US" dirty="0"/>
@@ -25070,8 +25105,8 @@
         </p:nvSpPr>
         <p:spPr>
           <a:xfrm>
-            <a:off x="401215" y="2255407"/>
-            <a:ext cx="5816705" cy="3416320"/>
+            <a:off x="401215" y="2781618"/>
+            <a:ext cx="5816705" cy="3046988"/>
           </a:xfrm>
           <a:prstGeom prst="rect">
             <a:avLst/>
@@ -25107,38 +25142,8 @@
           </a:p>
           <a:p>
             <a:r>
-              <a:rPr lang="en-US" altLang="ko-KR" sz="2400" dirty="0"/>
+              <a:rPr lang="en-US" altLang="ko-KR" sz="2400" dirty="0" smtClean="0"/>
               <a:t>{</a:t>
-            </a:r>
-          </a:p>
-          <a:p>
-            <a:r>
-              <a:rPr lang="en-US" altLang="ko-KR" sz="2400" dirty="0"/>
-              <a:t>	</a:t>
-            </a:r>
-            <a:r>
-              <a:rPr lang="en-US" altLang="ko-KR" sz="2400" dirty="0">
-                <a:solidFill>
-                  <a:schemeClr val="accent6"/>
-                </a:solidFill>
-              </a:rPr>
-              <a:t>public</a:t>
-            </a:r>
-            <a:r>
-              <a:rPr lang="en-US" altLang="ko-KR" sz="2400" dirty="0"/>
-              <a:t> </a:t>
-            </a:r>
-            <a:r>
-              <a:rPr lang="en-US" altLang="ko-KR" sz="2400" dirty="0">
-                <a:solidFill>
-                  <a:schemeClr val="accent6"/>
-                </a:solidFill>
-              </a:rPr>
-              <a:t>abstract</a:t>
-            </a:r>
-            <a:r>
-              <a:rPr lang="en-US" altLang="ko-KR" sz="2400" dirty="0"/>
-              <a:t> string name;</a:t>
             </a:r>
           </a:p>
           <a:p>
@@ -25231,8 +25236,8 @@
         </p:nvSpPr>
         <p:spPr>
           <a:xfrm>
-            <a:off x="5764261" y="2342493"/>
-            <a:ext cx="5950633" cy="3046988"/>
+            <a:off x="5764261" y="2868704"/>
+            <a:ext cx="5950633" cy="2677656"/>
           </a:xfrm>
           <a:prstGeom prst="rect">
             <a:avLst/>
@@ -25276,58 +25281,21 @@
           </a:p>
           <a:p>
             <a:r>
-              <a:rPr lang="en-US" altLang="ko-KR" sz="2400" dirty="0"/>
+              <a:rPr lang="en-US" altLang="ko-KR" sz="2400" dirty="0" smtClean="0"/>
               <a:t>{</a:t>
             </a:r>
           </a:p>
           <a:p>
             <a:r>
-              <a:rPr lang="en-US" altLang="ko-KR" sz="2400" dirty="0"/>
-              <a:t>    </a:t>
-            </a:r>
-            <a:r>
-              <a:rPr lang="en-US" altLang="ko-KR" sz="2400" dirty="0">
+              <a:rPr lang="en-US" altLang="ko-KR" sz="2400" dirty="0" smtClean="0">
                 <a:solidFill>
                   <a:schemeClr val="accent6"/>
                 </a:solidFill>
               </a:rPr>
-              <a:t>public</a:t>
-            </a:r>
-            <a:r>
-              <a:rPr lang="en-US" altLang="ko-KR" sz="2400" dirty="0"/>
-              <a:t> </a:t>
-            </a:r>
-            <a:r>
-              <a:rPr lang="en-US" altLang="ko-KR" sz="2400" dirty="0">
-                <a:solidFill>
-                  <a:schemeClr val="accent6"/>
-                </a:solidFill>
-                <a:highlight>
-                  <a:srgbClr val="FFFF00"/>
-                </a:highlight>
-              </a:rPr>
-              <a:t>override</a:t>
-            </a:r>
-            <a:r>
-              <a:rPr lang="en-US" altLang="ko-KR" sz="2400" dirty="0"/>
-              <a:t> string name = “1”;</a:t>
-            </a:r>
-          </a:p>
-          <a:p>
-            <a:r>
-              <a:rPr lang="en-US" altLang="ko-KR" sz="2400" dirty="0"/>
-              <a:t>    </a:t>
-            </a:r>
-            <a:r>
-              <a:rPr lang="en-US" altLang="ko-KR" sz="2400" dirty="0">
-                <a:solidFill>
-                  <a:schemeClr val="accent6"/>
-                </a:solidFill>
-              </a:rPr>
-              <a:t>public</a:t>
-            </a:r>
-            <a:r>
-              <a:rPr lang="en-US" altLang="ko-KR" sz="2400" dirty="0"/>
+              <a:t>    public</a:t>
+            </a:r>
+            <a:r>
+              <a:rPr lang="en-US" altLang="ko-KR" sz="2400" dirty="0" smtClean="0"/>
               <a:t> </a:t>
             </a:r>
             <a:r>
